--- a/doc/fast-slow-figure.pptx
+++ b/doc/fast-slow-figure.pptx
@@ -6,6 +6,7 @@
   </p:sldMasterIdLst>
   <p:sldIdLst>
     <p:sldId id="256" r:id="rId2"/>
+    <p:sldId id="257" r:id="rId3"/>
   </p:sldIdLst>
   <p:sldSz cx="12192000" cy="6858000"/>
   <p:notesSz cx="6858000" cy="9144000"/>
@@ -259,7 +260,7 @@
           <a:p>
             <a:fld id="{AA0A4FF0-F985-4186-B506-9DFB5CE5DCD6}" type="datetimeFigureOut">
               <a:rPr lang="en-US" smtClean="0"/>
-              <a:t>9/5/2019</a:t>
+              <a:t>10/3/2019</a:t>
             </a:fld>
             <a:endParaRPr lang="en-US"/>
           </a:p>
@@ -457,7 +458,7 @@
           <a:p>
             <a:fld id="{AA0A4FF0-F985-4186-B506-9DFB5CE5DCD6}" type="datetimeFigureOut">
               <a:rPr lang="en-US" smtClean="0"/>
-              <a:t>9/5/2019</a:t>
+              <a:t>10/3/2019</a:t>
             </a:fld>
             <a:endParaRPr lang="en-US"/>
           </a:p>
@@ -665,7 +666,7 @@
           <a:p>
             <a:fld id="{AA0A4FF0-F985-4186-B506-9DFB5CE5DCD6}" type="datetimeFigureOut">
               <a:rPr lang="en-US" smtClean="0"/>
-              <a:t>9/5/2019</a:t>
+              <a:t>10/3/2019</a:t>
             </a:fld>
             <a:endParaRPr lang="en-US"/>
           </a:p>
@@ -863,7 +864,7 @@
           <a:p>
             <a:fld id="{AA0A4FF0-F985-4186-B506-9DFB5CE5DCD6}" type="datetimeFigureOut">
               <a:rPr lang="en-US" smtClean="0"/>
-              <a:t>9/5/2019</a:t>
+              <a:t>10/3/2019</a:t>
             </a:fld>
             <a:endParaRPr lang="en-US"/>
           </a:p>
@@ -1138,7 +1139,7 @@
           <a:p>
             <a:fld id="{AA0A4FF0-F985-4186-B506-9DFB5CE5DCD6}" type="datetimeFigureOut">
               <a:rPr lang="en-US" smtClean="0"/>
-              <a:t>9/5/2019</a:t>
+              <a:t>10/3/2019</a:t>
             </a:fld>
             <a:endParaRPr lang="en-US"/>
           </a:p>
@@ -1403,7 +1404,7 @@
           <a:p>
             <a:fld id="{AA0A4FF0-F985-4186-B506-9DFB5CE5DCD6}" type="datetimeFigureOut">
               <a:rPr lang="en-US" smtClean="0"/>
-              <a:t>9/5/2019</a:t>
+              <a:t>10/3/2019</a:t>
             </a:fld>
             <a:endParaRPr lang="en-US"/>
           </a:p>
@@ -1815,7 +1816,7 @@
           <a:p>
             <a:fld id="{AA0A4FF0-F985-4186-B506-9DFB5CE5DCD6}" type="datetimeFigureOut">
               <a:rPr lang="en-US" smtClean="0"/>
-              <a:t>9/5/2019</a:t>
+              <a:t>10/3/2019</a:t>
             </a:fld>
             <a:endParaRPr lang="en-US"/>
           </a:p>
@@ -1956,7 +1957,7 @@
           <a:p>
             <a:fld id="{AA0A4FF0-F985-4186-B506-9DFB5CE5DCD6}" type="datetimeFigureOut">
               <a:rPr lang="en-US" smtClean="0"/>
-              <a:t>9/5/2019</a:t>
+              <a:t>10/3/2019</a:t>
             </a:fld>
             <a:endParaRPr lang="en-US"/>
           </a:p>
@@ -2069,7 +2070,7 @@
           <a:p>
             <a:fld id="{AA0A4FF0-F985-4186-B506-9DFB5CE5DCD6}" type="datetimeFigureOut">
               <a:rPr lang="en-US" smtClean="0"/>
-              <a:t>9/5/2019</a:t>
+              <a:t>10/3/2019</a:t>
             </a:fld>
             <a:endParaRPr lang="en-US"/>
           </a:p>
@@ -2380,7 +2381,7 @@
           <a:p>
             <a:fld id="{AA0A4FF0-F985-4186-B506-9DFB5CE5DCD6}" type="datetimeFigureOut">
               <a:rPr lang="en-US" smtClean="0"/>
-              <a:t>9/5/2019</a:t>
+              <a:t>10/3/2019</a:t>
             </a:fld>
             <a:endParaRPr lang="en-US"/>
           </a:p>
@@ -2668,7 +2669,7 @@
           <a:p>
             <a:fld id="{AA0A4FF0-F985-4186-B506-9DFB5CE5DCD6}" type="datetimeFigureOut">
               <a:rPr lang="en-US" smtClean="0"/>
-              <a:t>9/5/2019</a:t>
+              <a:t>10/3/2019</a:t>
             </a:fld>
             <a:endParaRPr lang="en-US"/>
           </a:p>
@@ -2909,7 +2910,7 @@
           <a:p>
             <a:fld id="{AA0A4FF0-F985-4186-B506-9DFB5CE5DCD6}" type="datetimeFigureOut">
               <a:rPr lang="en-US" smtClean="0"/>
-              <a:t>9/5/2019</a:t>
+              <a:t>10/3/2019</a:t>
             </a:fld>
             <a:endParaRPr lang="en-US"/>
           </a:p>
@@ -4015,6 +4016,828 @@
 </p:sld>
 </file>
 
+<file path=ppt/slides/slide2.xml><?xml version="1.0" encoding="utf-8"?>
+<p:sld xmlns:a="http://schemas.openxmlformats.org/drawingml/2006/main" xmlns:r="http://schemas.openxmlformats.org/officeDocument/2006/relationships" xmlns:p="http://schemas.openxmlformats.org/presentationml/2006/main">
+  <p:cSld>
+    <p:spTree>
+      <p:nvGrpSpPr>
+        <p:cNvPr id="1" name=""/>
+        <p:cNvGrpSpPr/>
+        <p:nvPr/>
+      </p:nvGrpSpPr>
+      <p:grpSpPr>
+        <a:xfrm>
+          <a:off x="0" y="0"/>
+          <a:ext cx="0" cy="0"/>
+          <a:chOff x="0" y="0"/>
+          <a:chExt cx="0" cy="0"/>
+        </a:xfrm>
+      </p:grpSpPr>
+      <p:sp>
+        <p:nvSpPr>
+          <p:cNvPr id="4" name="TextBox 3">
+            <a:extLst>
+              <a:ext uri="{FF2B5EF4-FFF2-40B4-BE49-F238E27FC236}">
+                <a16:creationId xmlns:a16="http://schemas.microsoft.com/office/drawing/2014/main" id="{F0B72497-32DC-4DEF-8396-839AC9094FA3}"/>
+              </a:ext>
+            </a:extLst>
+          </p:cNvPr>
+          <p:cNvSpPr txBox="1"/>
+          <p:nvPr/>
+        </p:nvSpPr>
+        <p:spPr>
+          <a:xfrm>
+            <a:off x="3106270" y="5814736"/>
+            <a:ext cx="2244332" cy="461665"/>
+          </a:xfrm>
+          <a:prstGeom prst="rect">
+            <a:avLst/>
+          </a:prstGeom>
+          <a:noFill/>
+        </p:spPr>
+        <p:txBody>
+          <a:bodyPr wrap="none" rtlCol="0">
+            <a:spAutoFit/>
+          </a:bodyPr>
+          <a:lstStyle/>
+          <a:p>
+            <a:r>
+              <a:rPr lang="en-US" sz="2400" dirty="0"/>
+              <a:t>Forecast horizon</a:t>
+            </a:r>
+          </a:p>
+        </p:txBody>
+      </p:sp>
+      <p:sp>
+        <p:nvSpPr>
+          <p:cNvPr id="5" name="TextBox 4">
+            <a:extLst>
+              <a:ext uri="{FF2B5EF4-FFF2-40B4-BE49-F238E27FC236}">
+                <a16:creationId xmlns:a16="http://schemas.microsoft.com/office/drawing/2014/main" id="{1A9142EA-B8E2-4D75-A337-464B1CA6935C}"/>
+              </a:ext>
+            </a:extLst>
+          </p:cNvPr>
+          <p:cNvSpPr txBox="1"/>
+          <p:nvPr/>
+        </p:nvSpPr>
+        <p:spPr>
+          <a:xfrm>
+            <a:off x="1982573" y="5512082"/>
+            <a:ext cx="4598824" cy="369332"/>
+          </a:xfrm>
+          <a:prstGeom prst="rect">
+            <a:avLst/>
+          </a:prstGeom>
+          <a:noFill/>
+        </p:spPr>
+        <p:txBody>
+          <a:bodyPr wrap="none" rtlCol="0">
+            <a:spAutoFit/>
+          </a:bodyPr>
+          <a:lstStyle/>
+          <a:p>
+            <a:pPr algn="ctr"/>
+            <a:r>
+              <a:rPr lang="en-US" dirty="0"/>
+              <a:t>Days         Years            Decades             Centuries</a:t>
+            </a:r>
+          </a:p>
+        </p:txBody>
+      </p:sp>
+      <p:sp>
+        <p:nvSpPr>
+          <p:cNvPr id="6" name="TextBox 5">
+            <a:extLst>
+              <a:ext uri="{FF2B5EF4-FFF2-40B4-BE49-F238E27FC236}">
+                <a16:creationId xmlns:a16="http://schemas.microsoft.com/office/drawing/2014/main" id="{344C54C2-F1C4-4F89-8F0A-C3859FA48EEA}"/>
+              </a:ext>
+            </a:extLst>
+          </p:cNvPr>
+          <p:cNvSpPr txBox="1"/>
+          <p:nvPr/>
+        </p:nvSpPr>
+        <p:spPr>
+          <a:xfrm>
+            <a:off x="496712" y="3666961"/>
+            <a:ext cx="1409232" cy="830997"/>
+          </a:xfrm>
+          <a:prstGeom prst="rect">
+            <a:avLst/>
+          </a:prstGeom>
+          <a:noFill/>
+        </p:spPr>
+        <p:txBody>
+          <a:bodyPr wrap="none" rtlCol="0">
+            <a:spAutoFit/>
+          </a:bodyPr>
+          <a:lstStyle/>
+          <a:p>
+            <a:r>
+              <a:rPr lang="en-US" sz="2400" dirty="0"/>
+              <a:t>Biotic</a:t>
+            </a:r>
+          </a:p>
+          <a:p>
+            <a:r>
+              <a:rPr lang="en-US" sz="2400" dirty="0"/>
+              <a:t>processes</a:t>
+            </a:r>
+          </a:p>
+        </p:txBody>
+      </p:sp>
+      <p:sp>
+        <p:nvSpPr>
+          <p:cNvPr id="9" name="Rectangle: Rounded Corners 8">
+            <a:extLst>
+              <a:ext uri="{FF2B5EF4-FFF2-40B4-BE49-F238E27FC236}">
+                <a16:creationId xmlns:a16="http://schemas.microsoft.com/office/drawing/2014/main" id="{D5F3E44E-0BE2-45ED-BD53-9943D3A78519}"/>
+              </a:ext>
+            </a:extLst>
+          </p:cNvPr>
+          <p:cNvSpPr/>
+          <p:nvPr/>
+        </p:nvSpPr>
+        <p:spPr>
+          <a:xfrm>
+            <a:off x="2035471" y="4318251"/>
+            <a:ext cx="4527252" cy="363071"/>
+          </a:xfrm>
+          <a:prstGeom prst="roundRect">
+            <a:avLst/>
+          </a:prstGeom>
+          <a:solidFill>
+            <a:schemeClr val="accent1">
+              <a:lumMod val="75000"/>
+            </a:schemeClr>
+          </a:solidFill>
+          <a:ln>
+            <a:noFill/>
+          </a:ln>
+        </p:spPr>
+        <p:style>
+          <a:lnRef idx="2">
+            <a:schemeClr val="accent1">
+              <a:shade val="50000"/>
+            </a:schemeClr>
+          </a:lnRef>
+          <a:fillRef idx="1">
+            <a:schemeClr val="accent1"/>
+          </a:fillRef>
+          <a:effectRef idx="0">
+            <a:schemeClr val="accent1"/>
+          </a:effectRef>
+          <a:fontRef idx="minor">
+            <a:schemeClr val="lt1"/>
+          </a:fontRef>
+        </p:style>
+        <p:txBody>
+          <a:bodyPr rtlCol="0" anchor="ctr"/>
+          <a:lstStyle/>
+          <a:p>
+            <a:pPr algn="ctr"/>
+            <a:r>
+              <a:rPr lang="en-US" dirty="0"/>
+              <a:t>Births, deaths</a:t>
+            </a:r>
+          </a:p>
+        </p:txBody>
+      </p:sp>
+      <p:sp>
+        <p:nvSpPr>
+          <p:cNvPr id="12" name="Rectangle: Rounded Corners 11">
+            <a:extLst>
+              <a:ext uri="{FF2B5EF4-FFF2-40B4-BE49-F238E27FC236}">
+                <a16:creationId xmlns:a16="http://schemas.microsoft.com/office/drawing/2014/main" id="{8D0DCA44-3524-41C5-B952-1C622441B766}"/>
+              </a:ext>
+            </a:extLst>
+          </p:cNvPr>
+          <p:cNvSpPr/>
+          <p:nvPr/>
+        </p:nvSpPr>
+        <p:spPr>
+          <a:xfrm>
+            <a:off x="3648076" y="4844623"/>
+            <a:ext cx="2880422" cy="363071"/>
+          </a:xfrm>
+          <a:prstGeom prst="roundRect">
+            <a:avLst/>
+          </a:prstGeom>
+          <a:solidFill>
+            <a:schemeClr val="bg2">
+              <a:lumMod val="75000"/>
+            </a:schemeClr>
+          </a:solidFill>
+          <a:ln>
+            <a:noFill/>
+          </a:ln>
+        </p:spPr>
+        <p:style>
+          <a:lnRef idx="2">
+            <a:schemeClr val="accent1">
+              <a:shade val="50000"/>
+            </a:schemeClr>
+          </a:lnRef>
+          <a:fillRef idx="1">
+            <a:schemeClr val="accent1"/>
+          </a:fillRef>
+          <a:effectRef idx="0">
+            <a:schemeClr val="accent1"/>
+          </a:effectRef>
+          <a:fontRef idx="minor">
+            <a:schemeClr val="lt1"/>
+          </a:fontRef>
+        </p:style>
+        <p:txBody>
+          <a:bodyPr rtlCol="0" anchor="ctr"/>
+          <a:lstStyle/>
+          <a:p>
+            <a:pPr algn="ctr"/>
+            <a:r>
+              <a:rPr lang="en-US" dirty="0"/>
+              <a:t>Climate</a:t>
+            </a:r>
+          </a:p>
+        </p:txBody>
+      </p:sp>
+      <p:sp>
+        <p:nvSpPr>
+          <p:cNvPr id="13" name="Rectangle: Rounded Corners 12">
+            <a:extLst>
+              <a:ext uri="{FF2B5EF4-FFF2-40B4-BE49-F238E27FC236}">
+                <a16:creationId xmlns:a16="http://schemas.microsoft.com/office/drawing/2014/main" id="{B9BDA11A-2EC3-4F23-A98D-07FD808301CE}"/>
+              </a:ext>
+            </a:extLst>
+          </p:cNvPr>
+          <p:cNvSpPr/>
+          <p:nvPr/>
+        </p:nvSpPr>
+        <p:spPr>
+          <a:xfrm>
+            <a:off x="2035471" y="4844624"/>
+            <a:ext cx="1569741" cy="363071"/>
+          </a:xfrm>
+          <a:prstGeom prst="roundRect">
+            <a:avLst/>
+          </a:prstGeom>
+          <a:solidFill>
+            <a:schemeClr val="bg2">
+              <a:lumMod val="75000"/>
+            </a:schemeClr>
+          </a:solidFill>
+          <a:ln>
+            <a:noFill/>
+          </a:ln>
+        </p:spPr>
+        <p:style>
+          <a:lnRef idx="2">
+            <a:schemeClr val="accent1">
+              <a:shade val="50000"/>
+            </a:schemeClr>
+          </a:lnRef>
+          <a:fillRef idx="1">
+            <a:schemeClr val="accent1"/>
+          </a:fillRef>
+          <a:effectRef idx="0">
+            <a:schemeClr val="accent1"/>
+          </a:effectRef>
+          <a:fontRef idx="minor">
+            <a:schemeClr val="lt1"/>
+          </a:fontRef>
+        </p:style>
+        <p:txBody>
+          <a:bodyPr rtlCol="0" anchor="ctr"/>
+          <a:lstStyle/>
+          <a:p>
+            <a:pPr algn="ctr"/>
+            <a:r>
+              <a:rPr lang="en-US" dirty="0"/>
+              <a:t>Weather</a:t>
+            </a:r>
+          </a:p>
+        </p:txBody>
+      </p:sp>
+      <p:sp>
+        <p:nvSpPr>
+          <p:cNvPr id="14" name="Rectangle: Rounded Corners 13">
+            <a:extLst>
+              <a:ext uri="{FF2B5EF4-FFF2-40B4-BE49-F238E27FC236}">
+                <a16:creationId xmlns:a16="http://schemas.microsoft.com/office/drawing/2014/main" id="{F35E6E0D-E278-4C40-8985-C584F70855E7}"/>
+              </a:ext>
+            </a:extLst>
+          </p:cNvPr>
+          <p:cNvSpPr/>
+          <p:nvPr/>
+        </p:nvSpPr>
+        <p:spPr>
+          <a:xfrm>
+            <a:off x="2035471" y="2689856"/>
+            <a:ext cx="3022304" cy="646412"/>
+          </a:xfrm>
+          <a:prstGeom prst="roundRect">
+            <a:avLst/>
+          </a:prstGeom>
+          <a:gradFill>
+            <a:gsLst>
+              <a:gs pos="32000">
+                <a:schemeClr val="accent6"/>
+              </a:gs>
+              <a:gs pos="96000">
+                <a:schemeClr val="accent6">
+                  <a:lumMod val="75000"/>
+                </a:schemeClr>
+              </a:gs>
+              <a:gs pos="0">
+                <a:schemeClr val="bg1"/>
+              </a:gs>
+            </a:gsLst>
+            <a:lin ang="10800000" scaled="0"/>
+          </a:gradFill>
+          <a:ln>
+            <a:noFill/>
+          </a:ln>
+        </p:spPr>
+        <p:style>
+          <a:lnRef idx="2">
+            <a:schemeClr val="accent1">
+              <a:shade val="50000"/>
+            </a:schemeClr>
+          </a:lnRef>
+          <a:fillRef idx="1">
+            <a:schemeClr val="accent1"/>
+          </a:fillRef>
+          <a:effectRef idx="0">
+            <a:schemeClr val="accent1"/>
+          </a:effectRef>
+          <a:fontRef idx="minor">
+            <a:schemeClr val="lt1"/>
+          </a:fontRef>
+        </p:style>
+        <p:txBody>
+          <a:bodyPr rtlCol="0" anchor="ctr"/>
+          <a:lstStyle/>
+          <a:p>
+            <a:pPr algn="ctr"/>
+            <a:r>
+              <a:rPr lang="en-US" dirty="0"/>
+              <a:t>Temporal data </a:t>
+            </a:r>
+          </a:p>
+          <a:p>
+            <a:pPr algn="ctr"/>
+            <a:r>
+              <a:rPr lang="en-US" dirty="0"/>
+              <a:t>Time-series models</a:t>
+            </a:r>
+          </a:p>
+        </p:txBody>
+      </p:sp>
+      <p:sp>
+        <p:nvSpPr>
+          <p:cNvPr id="17" name="Rectangle: Rounded Corners 16">
+            <a:extLst>
+              <a:ext uri="{FF2B5EF4-FFF2-40B4-BE49-F238E27FC236}">
+                <a16:creationId xmlns:a16="http://schemas.microsoft.com/office/drawing/2014/main" id="{BE51A278-F362-46FD-A185-607F3A089800}"/>
+              </a:ext>
+            </a:extLst>
+          </p:cNvPr>
+          <p:cNvSpPr/>
+          <p:nvPr/>
+        </p:nvSpPr>
+        <p:spPr>
+          <a:xfrm>
+            <a:off x="3477513" y="3902753"/>
+            <a:ext cx="3085210" cy="363071"/>
+          </a:xfrm>
+          <a:prstGeom prst="roundRect">
+            <a:avLst/>
+          </a:prstGeom>
+          <a:gradFill flip="none" rotWithShape="1">
+            <a:gsLst>
+              <a:gs pos="15000">
+                <a:schemeClr val="accent1">
+                  <a:lumMod val="60000"/>
+                  <a:lumOff val="40000"/>
+                </a:schemeClr>
+              </a:gs>
+              <a:gs pos="41000">
+                <a:srgbClr val="2F5597"/>
+              </a:gs>
+              <a:gs pos="0">
+                <a:schemeClr val="bg1"/>
+              </a:gs>
+              <a:gs pos="100000">
+                <a:schemeClr val="accent1">
+                  <a:lumMod val="75000"/>
+                </a:schemeClr>
+              </a:gs>
+            </a:gsLst>
+            <a:lin ang="0" scaled="1"/>
+            <a:tileRect/>
+          </a:gradFill>
+          <a:ln>
+            <a:noFill/>
+          </a:ln>
+        </p:spPr>
+        <p:style>
+          <a:lnRef idx="2">
+            <a:schemeClr val="accent1">
+              <a:shade val="50000"/>
+            </a:schemeClr>
+          </a:lnRef>
+          <a:fillRef idx="1">
+            <a:schemeClr val="accent1"/>
+          </a:fillRef>
+          <a:effectRef idx="0">
+            <a:schemeClr val="accent1"/>
+          </a:effectRef>
+          <a:fontRef idx="minor">
+            <a:schemeClr val="lt1"/>
+          </a:fontRef>
+        </p:style>
+        <p:txBody>
+          <a:bodyPr rtlCol="0" anchor="ctr"/>
+          <a:lstStyle/>
+          <a:p>
+            <a:pPr algn="ctr"/>
+            <a:r>
+              <a:rPr lang="en-US" dirty="0"/>
+              <a:t>Colonization, extinction</a:t>
+            </a:r>
+          </a:p>
+        </p:txBody>
+      </p:sp>
+      <p:cxnSp>
+        <p:nvCxnSpPr>
+          <p:cNvPr id="3" name="Straight Connector 2">
+            <a:extLst>
+              <a:ext uri="{FF2B5EF4-FFF2-40B4-BE49-F238E27FC236}">
+                <a16:creationId xmlns:a16="http://schemas.microsoft.com/office/drawing/2014/main" id="{3ADDCF3B-C96D-432C-91F3-EE8585682833}"/>
+              </a:ext>
+            </a:extLst>
+          </p:cNvPr>
+          <p:cNvCxnSpPr/>
+          <p:nvPr/>
+        </p:nvCxnSpPr>
+        <p:spPr>
+          <a:xfrm>
+            <a:off x="2035472" y="5457825"/>
+            <a:ext cx="4527253" cy="0"/>
+          </a:xfrm>
+          <a:prstGeom prst="line">
+            <a:avLst/>
+          </a:prstGeom>
+          <a:ln w="19050">
+            <a:solidFill>
+              <a:schemeClr val="tx1"/>
+            </a:solidFill>
+          </a:ln>
+        </p:spPr>
+        <p:style>
+          <a:lnRef idx="1">
+            <a:schemeClr val="accent1"/>
+          </a:lnRef>
+          <a:fillRef idx="0">
+            <a:schemeClr val="accent1"/>
+          </a:fillRef>
+          <a:effectRef idx="0">
+            <a:schemeClr val="accent1"/>
+          </a:effectRef>
+          <a:fontRef idx="minor">
+            <a:schemeClr val="tx1"/>
+          </a:fontRef>
+        </p:style>
+      </p:cxnSp>
+      <p:sp>
+        <p:nvSpPr>
+          <p:cNvPr id="18" name="TextBox 17">
+            <a:extLst>
+              <a:ext uri="{FF2B5EF4-FFF2-40B4-BE49-F238E27FC236}">
+                <a16:creationId xmlns:a16="http://schemas.microsoft.com/office/drawing/2014/main" id="{115D7860-430B-4B10-94ED-1DC8494C1AC4}"/>
+              </a:ext>
+            </a:extLst>
+          </p:cNvPr>
+          <p:cNvSpPr txBox="1"/>
+          <p:nvPr/>
+        </p:nvSpPr>
+        <p:spPr>
+          <a:xfrm>
+            <a:off x="496712" y="4610659"/>
+            <a:ext cx="1059906" cy="830997"/>
+          </a:xfrm>
+          <a:prstGeom prst="rect">
+            <a:avLst/>
+          </a:prstGeom>
+          <a:noFill/>
+        </p:spPr>
+        <p:txBody>
+          <a:bodyPr wrap="none" rtlCol="0">
+            <a:spAutoFit/>
+          </a:bodyPr>
+          <a:lstStyle/>
+          <a:p>
+            <a:r>
+              <a:rPr lang="en-US" sz="2400" dirty="0"/>
+              <a:t>Abiotic</a:t>
+            </a:r>
+          </a:p>
+          <a:p>
+            <a:r>
+              <a:rPr lang="en-US" sz="2400" dirty="0"/>
+              <a:t>drivers</a:t>
+            </a:r>
+          </a:p>
+        </p:txBody>
+      </p:sp>
+      <p:sp>
+        <p:nvSpPr>
+          <p:cNvPr id="19" name="Rectangle: Rounded Corners 18">
+            <a:extLst>
+              <a:ext uri="{FF2B5EF4-FFF2-40B4-BE49-F238E27FC236}">
+                <a16:creationId xmlns:a16="http://schemas.microsoft.com/office/drawing/2014/main" id="{5157443B-FAF5-43E0-B9D4-56AB38C66D9D}"/>
+              </a:ext>
+            </a:extLst>
+          </p:cNvPr>
+          <p:cNvSpPr/>
+          <p:nvPr/>
+        </p:nvSpPr>
+        <p:spPr>
+          <a:xfrm>
+            <a:off x="3477513" y="3485426"/>
+            <a:ext cx="3085210" cy="363071"/>
+          </a:xfrm>
+          <a:prstGeom prst="roundRect">
+            <a:avLst/>
+          </a:prstGeom>
+          <a:gradFill flip="none" rotWithShape="1">
+            <a:gsLst>
+              <a:gs pos="15000">
+                <a:schemeClr val="accent1">
+                  <a:lumMod val="60000"/>
+                  <a:lumOff val="40000"/>
+                </a:schemeClr>
+              </a:gs>
+              <a:gs pos="41000">
+                <a:srgbClr val="2F5597"/>
+              </a:gs>
+              <a:gs pos="0">
+                <a:schemeClr val="bg1"/>
+              </a:gs>
+              <a:gs pos="100000">
+                <a:schemeClr val="accent1">
+                  <a:lumMod val="75000"/>
+                </a:schemeClr>
+              </a:gs>
+            </a:gsLst>
+            <a:lin ang="0" scaled="1"/>
+            <a:tileRect/>
+          </a:gradFill>
+          <a:ln>
+            <a:noFill/>
+          </a:ln>
+        </p:spPr>
+        <p:style>
+          <a:lnRef idx="2">
+            <a:schemeClr val="accent1">
+              <a:shade val="50000"/>
+            </a:schemeClr>
+          </a:lnRef>
+          <a:fillRef idx="1">
+            <a:schemeClr val="accent1"/>
+          </a:fillRef>
+          <a:effectRef idx="0">
+            <a:schemeClr val="accent1"/>
+          </a:effectRef>
+          <a:fontRef idx="minor">
+            <a:schemeClr val="lt1"/>
+          </a:fontRef>
+        </p:style>
+        <p:txBody>
+          <a:bodyPr rtlCol="0" anchor="ctr"/>
+          <a:lstStyle/>
+          <a:p>
+            <a:pPr algn="ctr"/>
+            <a:r>
+              <a:rPr lang="en-US" dirty="0"/>
+              <a:t>Selection</a:t>
+            </a:r>
+          </a:p>
+        </p:txBody>
+      </p:sp>
+      <p:sp>
+        <p:nvSpPr>
+          <p:cNvPr id="21" name="TextBox 20">
+            <a:extLst>
+              <a:ext uri="{FF2B5EF4-FFF2-40B4-BE49-F238E27FC236}">
+                <a16:creationId xmlns:a16="http://schemas.microsoft.com/office/drawing/2014/main" id="{1F4D1CDE-46CA-42A2-9924-CBE70BD401A8}"/>
+              </a:ext>
+            </a:extLst>
+          </p:cNvPr>
+          <p:cNvSpPr txBox="1"/>
+          <p:nvPr/>
+        </p:nvSpPr>
+        <p:spPr>
+          <a:xfrm>
+            <a:off x="496712" y="1896895"/>
+            <a:ext cx="1116011" cy="830997"/>
+          </a:xfrm>
+          <a:prstGeom prst="rect">
+            <a:avLst/>
+          </a:prstGeom>
+          <a:noFill/>
+        </p:spPr>
+        <p:txBody>
+          <a:bodyPr wrap="none" rtlCol="0">
+            <a:spAutoFit/>
+          </a:bodyPr>
+          <a:lstStyle/>
+          <a:p>
+            <a:r>
+              <a:rPr lang="en-US" sz="2400" dirty="0"/>
+              <a:t>Data /</a:t>
+            </a:r>
+          </a:p>
+          <a:p>
+            <a:r>
+              <a:rPr lang="en-US" sz="2400" dirty="0"/>
+              <a:t>Models</a:t>
+            </a:r>
+          </a:p>
+        </p:txBody>
+      </p:sp>
+      <p:sp>
+        <p:nvSpPr>
+          <p:cNvPr id="22" name="Rectangle: Rounded Corners 21">
+            <a:extLst>
+              <a:ext uri="{FF2B5EF4-FFF2-40B4-BE49-F238E27FC236}">
+                <a16:creationId xmlns:a16="http://schemas.microsoft.com/office/drawing/2014/main" id="{DBB85732-9C8B-4449-BD9F-9E4884BC3CEF}"/>
+              </a:ext>
+            </a:extLst>
+          </p:cNvPr>
+          <p:cNvSpPr/>
+          <p:nvPr/>
+        </p:nvSpPr>
+        <p:spPr>
+          <a:xfrm>
+            <a:off x="3477511" y="1271966"/>
+            <a:ext cx="3085211" cy="646412"/>
+          </a:xfrm>
+          <a:prstGeom prst="roundRect">
+            <a:avLst/>
+          </a:prstGeom>
+          <a:gradFill>
+            <a:gsLst>
+              <a:gs pos="32000">
+                <a:schemeClr val="accent6"/>
+              </a:gs>
+              <a:gs pos="96000">
+                <a:schemeClr val="accent6">
+                  <a:lumMod val="75000"/>
+                </a:schemeClr>
+              </a:gs>
+              <a:gs pos="0">
+                <a:schemeClr val="bg1"/>
+              </a:gs>
+            </a:gsLst>
+            <a:lin ang="0" scaled="0"/>
+          </a:gradFill>
+          <a:ln>
+            <a:noFill/>
+          </a:ln>
+        </p:spPr>
+        <p:style>
+          <a:lnRef idx="2">
+            <a:schemeClr val="accent1">
+              <a:shade val="50000"/>
+            </a:schemeClr>
+          </a:lnRef>
+          <a:fillRef idx="1">
+            <a:schemeClr val="accent1"/>
+          </a:fillRef>
+          <a:effectRef idx="0">
+            <a:schemeClr val="accent1"/>
+          </a:effectRef>
+          <a:fontRef idx="minor">
+            <a:schemeClr val="lt1"/>
+          </a:fontRef>
+        </p:style>
+        <p:txBody>
+          <a:bodyPr rtlCol="0" anchor="ctr"/>
+          <a:lstStyle/>
+          <a:p>
+            <a:pPr algn="ctr"/>
+            <a:r>
+              <a:rPr lang="en-US" dirty="0"/>
+              <a:t>Spatial data </a:t>
+            </a:r>
+          </a:p>
+          <a:p>
+            <a:pPr algn="ctr"/>
+            <a:r>
+              <a:rPr lang="en-US" dirty="0"/>
+              <a:t>Space-for-time models</a:t>
+            </a:r>
+          </a:p>
+        </p:txBody>
+      </p:sp>
+      <p:sp>
+        <p:nvSpPr>
+          <p:cNvPr id="23" name="Rectangle: Rounded Corners 22">
+            <a:extLst>
+              <a:ext uri="{FF2B5EF4-FFF2-40B4-BE49-F238E27FC236}">
+                <a16:creationId xmlns:a16="http://schemas.microsoft.com/office/drawing/2014/main" id="{B0F2BA3E-9E2D-41A9-A947-716F43693B66}"/>
+              </a:ext>
+            </a:extLst>
+          </p:cNvPr>
+          <p:cNvSpPr/>
+          <p:nvPr/>
+        </p:nvSpPr>
+        <p:spPr>
+          <a:xfrm>
+            <a:off x="2667084" y="1989188"/>
+            <a:ext cx="3428916" cy="646412"/>
+          </a:xfrm>
+          <a:prstGeom prst="roundRect">
+            <a:avLst/>
+          </a:prstGeom>
+          <a:gradFill>
+            <a:gsLst>
+              <a:gs pos="19000">
+                <a:schemeClr val="accent6"/>
+              </a:gs>
+              <a:gs pos="78000">
+                <a:schemeClr val="accent6"/>
+              </a:gs>
+              <a:gs pos="35835">
+                <a:schemeClr val="accent6">
+                  <a:lumMod val="75000"/>
+                </a:schemeClr>
+              </a:gs>
+              <a:gs pos="56000">
+                <a:schemeClr val="accent6">
+                  <a:lumMod val="75000"/>
+                </a:schemeClr>
+              </a:gs>
+              <a:gs pos="96000">
+                <a:schemeClr val="bg1"/>
+              </a:gs>
+              <a:gs pos="0">
+                <a:schemeClr val="bg1"/>
+              </a:gs>
+            </a:gsLst>
+            <a:lin ang="0" scaled="0"/>
+          </a:gradFill>
+          <a:ln>
+            <a:noFill/>
+          </a:ln>
+        </p:spPr>
+        <p:style>
+          <a:lnRef idx="2">
+            <a:schemeClr val="accent1">
+              <a:shade val="50000"/>
+            </a:schemeClr>
+          </a:lnRef>
+          <a:fillRef idx="1">
+            <a:schemeClr val="accent1"/>
+          </a:fillRef>
+          <a:effectRef idx="0">
+            <a:schemeClr val="accent1"/>
+          </a:effectRef>
+          <a:fontRef idx="minor">
+            <a:schemeClr val="lt1"/>
+          </a:fontRef>
+        </p:style>
+        <p:txBody>
+          <a:bodyPr rtlCol="0" anchor="ctr"/>
+          <a:lstStyle/>
+          <a:p>
+            <a:pPr algn="ctr"/>
+            <a:r>
+              <a:rPr lang="en-US" dirty="0"/>
+              <a:t>Spatial &amp; temporal data </a:t>
+            </a:r>
+          </a:p>
+          <a:p>
+            <a:pPr algn="ctr"/>
+            <a:r>
+              <a:rPr lang="en-US" dirty="0"/>
+              <a:t>Spatial-temporal-weighting</a:t>
+            </a:r>
+          </a:p>
+        </p:txBody>
+      </p:sp>
+    </p:spTree>
+    <p:extLst>
+      <p:ext uri="{BB962C8B-B14F-4D97-AF65-F5344CB8AC3E}">
+        <p14:creationId xmlns:p14="http://schemas.microsoft.com/office/powerpoint/2010/main" val="1377944187"/>
+      </p:ext>
+    </p:extLst>
+  </p:cSld>
+  <p:clrMapOvr>
+    <a:masterClrMapping/>
+  </p:clrMapOvr>
+</p:sld>
+</file>
+
 <file path=ppt/theme/theme1.xml><?xml version="1.0" encoding="utf-8"?>
 <a:theme xmlns:a="http://schemas.openxmlformats.org/drawingml/2006/main" name="Office Theme">
   <a:themeElements>

--- a/doc/fast-slow-figure.pptx
+++ b/doc/fast-slow-figure.pptx
@@ -260,7 +260,7 @@
           <a:p>
             <a:fld id="{AA0A4FF0-F985-4186-B506-9DFB5CE5DCD6}" type="datetimeFigureOut">
               <a:rPr lang="en-US" smtClean="0"/>
-              <a:t>10/3/2019</a:t>
+              <a:t>10/14/2019</a:t>
             </a:fld>
             <a:endParaRPr lang="en-US"/>
           </a:p>
@@ -458,7 +458,7 @@
           <a:p>
             <a:fld id="{AA0A4FF0-F985-4186-B506-9DFB5CE5DCD6}" type="datetimeFigureOut">
               <a:rPr lang="en-US" smtClean="0"/>
-              <a:t>10/3/2019</a:t>
+              <a:t>10/14/2019</a:t>
             </a:fld>
             <a:endParaRPr lang="en-US"/>
           </a:p>
@@ -666,7 +666,7 @@
           <a:p>
             <a:fld id="{AA0A4FF0-F985-4186-B506-9DFB5CE5DCD6}" type="datetimeFigureOut">
               <a:rPr lang="en-US" smtClean="0"/>
-              <a:t>10/3/2019</a:t>
+              <a:t>10/14/2019</a:t>
             </a:fld>
             <a:endParaRPr lang="en-US"/>
           </a:p>
@@ -864,7 +864,7 @@
           <a:p>
             <a:fld id="{AA0A4FF0-F985-4186-B506-9DFB5CE5DCD6}" type="datetimeFigureOut">
               <a:rPr lang="en-US" smtClean="0"/>
-              <a:t>10/3/2019</a:t>
+              <a:t>10/14/2019</a:t>
             </a:fld>
             <a:endParaRPr lang="en-US"/>
           </a:p>
@@ -1139,7 +1139,7 @@
           <a:p>
             <a:fld id="{AA0A4FF0-F985-4186-B506-9DFB5CE5DCD6}" type="datetimeFigureOut">
               <a:rPr lang="en-US" smtClean="0"/>
-              <a:t>10/3/2019</a:t>
+              <a:t>10/14/2019</a:t>
             </a:fld>
             <a:endParaRPr lang="en-US"/>
           </a:p>
@@ -1404,7 +1404,7 @@
           <a:p>
             <a:fld id="{AA0A4FF0-F985-4186-B506-9DFB5CE5DCD6}" type="datetimeFigureOut">
               <a:rPr lang="en-US" smtClean="0"/>
-              <a:t>10/3/2019</a:t>
+              <a:t>10/14/2019</a:t>
             </a:fld>
             <a:endParaRPr lang="en-US"/>
           </a:p>
@@ -1816,7 +1816,7 @@
           <a:p>
             <a:fld id="{AA0A4FF0-F985-4186-B506-9DFB5CE5DCD6}" type="datetimeFigureOut">
               <a:rPr lang="en-US" smtClean="0"/>
-              <a:t>10/3/2019</a:t>
+              <a:t>10/14/2019</a:t>
             </a:fld>
             <a:endParaRPr lang="en-US"/>
           </a:p>
@@ -1957,7 +1957,7 @@
           <a:p>
             <a:fld id="{AA0A4FF0-F985-4186-B506-9DFB5CE5DCD6}" type="datetimeFigureOut">
               <a:rPr lang="en-US" smtClean="0"/>
-              <a:t>10/3/2019</a:t>
+              <a:t>10/14/2019</a:t>
             </a:fld>
             <a:endParaRPr lang="en-US"/>
           </a:p>
@@ -2070,7 +2070,7 @@
           <a:p>
             <a:fld id="{AA0A4FF0-F985-4186-B506-9DFB5CE5DCD6}" type="datetimeFigureOut">
               <a:rPr lang="en-US" smtClean="0"/>
-              <a:t>10/3/2019</a:t>
+              <a:t>10/14/2019</a:t>
             </a:fld>
             <a:endParaRPr lang="en-US"/>
           </a:p>
@@ -2381,7 +2381,7 @@
           <a:p>
             <a:fld id="{AA0A4FF0-F985-4186-B506-9DFB5CE5DCD6}" type="datetimeFigureOut">
               <a:rPr lang="en-US" smtClean="0"/>
-              <a:t>10/3/2019</a:t>
+              <a:t>10/14/2019</a:t>
             </a:fld>
             <a:endParaRPr lang="en-US"/>
           </a:p>
@@ -2669,7 +2669,7 @@
           <a:p>
             <a:fld id="{AA0A4FF0-F985-4186-B506-9DFB5CE5DCD6}" type="datetimeFigureOut">
               <a:rPr lang="en-US" smtClean="0"/>
-              <a:t>10/3/2019</a:t>
+              <a:t>10/14/2019</a:t>
             </a:fld>
             <a:endParaRPr lang="en-US"/>
           </a:p>
@@ -2910,7 +2910,7 @@
           <a:p>
             <a:fld id="{AA0A4FF0-F985-4186-B506-9DFB5CE5DCD6}" type="datetimeFigureOut">
               <a:rPr lang="en-US" smtClean="0"/>
-              <a:t>10/3/2019</a:t>
+              <a:t>10/14/2019</a:t>
             </a:fld>
             <a:endParaRPr lang="en-US"/>
           </a:p>
@@ -4819,9 +4819,10 @@
           <a:p>
             <a:pPr algn="ctr"/>
             <a:r>
-              <a:rPr lang="en-US" dirty="0"/>
-              <a:t>Spatial-temporal-weighting</a:t>
-            </a:r>
+              <a:rPr lang="en-US"/>
+              <a:t>Weighted models</a:t>
+            </a:r>
+            <a:endParaRPr lang="en-US" dirty="0"/>
           </a:p>
         </p:txBody>
       </p:sp>
